--- a/2021180044 황광진 2DGP 프로젝트 2차 PPT.pptx
+++ b/2021180044 황광진 2DGP 프로젝트 2차 PPT.pptx
@@ -106,6 +106,11 @@
       </a:defRPr>
     </a:lvl9pPr>
   </p:defaultTextStyle>
+  <p:extLst>
+    <p:ext uri="{EFAFB233-063F-42B5-8137-9DF3F51BA10A}">
+      <p15:sldGuideLst xmlns:p15="http://schemas.microsoft.com/office/powerpoint/2012/main"/>
+    </p:ext>
+  </p:extLst>
 </p:presentation>
 </file>
 
@@ -3614,6 +3619,45 @@
           </a:p>
         </p:txBody>
       </p:sp>
+      <p:pic>
+        <p:nvPicPr>
+          <p:cNvPr id="29" name="오디오 28">
+            <a:hlinkClick r:id="" action="ppaction://media"/>
+            <a:extLst>
+              <a:ext uri="{FF2B5EF4-FFF2-40B4-BE49-F238E27FC236}">
+                <a16:creationId xmlns:a16="http://schemas.microsoft.com/office/drawing/2014/main" id="{C5D8DAE0-2E05-409B-AF13-0A5FD0982F95}"/>
+              </a:ext>
+            </a:extLst>
+          </p:cNvPr>
+          <p:cNvPicPr>
+            <a:picLocks noChangeAspect="1"/>
+          </p:cNvPicPr>
+          <p:nvPr>
+            <a:audioFile r:link="rId2"/>
+            <p:extLst>
+              <p:ext uri="{DAA4B4D4-6D71-4841-9C94-3DE7FCFB9230}">
+                <p14:media xmlns:p14="http://schemas.microsoft.com/office/powerpoint/2010/main" r:embed="rId1"/>
+              </p:ext>
+            </p:extLst>
+          </p:nvPr>
+        </p:nvPicPr>
+        <p:blipFill>
+          <a:blip r:embed="rId4"/>
+          <a:srcRect l="-118750" t="-118750" r="-118750" b="-118750"/>
+          <a:stretch>
+            <a:fillRect/>
+          </a:stretch>
+        </p:blipFill>
+        <p:spPr>
+          <a:xfrm>
+            <a:off x="10052304" y="4718304"/>
+            <a:ext cx="2057400" cy="2057400"/>
+          </a:xfrm>
+          <a:prstGeom prst="ellipse">
+            <a:avLst/>
+          </a:prstGeom>
+        </p:spPr>
+      </p:pic>
     </p:spTree>
     <p:extLst>
       <p:ext uri="{BB962C8B-B14F-4D97-AF65-F5344CB8AC3E}">
@@ -3624,6 +3668,101 @@
   <p:clrMapOvr>
     <a:masterClrMapping/>
   </p:clrMapOvr>
+  <mc:AlternateContent xmlns:mc="http://schemas.openxmlformats.org/markup-compatibility/2006">
+    <mc:Choice xmlns:p14="http://schemas.microsoft.com/office/powerpoint/2010/main" Requires="p14">
+      <p:transition spd="slow" p14:dur="2000" advTm="22396"/>
+    </mc:Choice>
+    <mc:Fallback>
+      <p:transition spd="slow" advTm="22396"/>
+    </mc:Fallback>
+  </mc:AlternateContent>
+  <p:timing>
+    <p:tnLst>
+      <p:par>
+        <p:cTn id="1" dur="indefinite" restart="never" nodeType="tmRoot">
+          <p:childTnLst>
+            <p:seq concurrent="1" nextAc="seek">
+              <p:cTn id="2" dur="indefinite" nodeType="mainSeq">
+                <p:childTnLst>
+                  <p:par>
+                    <p:cTn id="3" fill="hold">
+                      <p:stCondLst>
+                        <p:cond delay="indefinite"/>
+                        <p:cond evt="onBegin" delay="0">
+                          <p:tn val="2"/>
+                        </p:cond>
+                      </p:stCondLst>
+                      <p:childTnLst>
+                        <p:par>
+                          <p:cTn id="4" fill="hold">
+                            <p:stCondLst>
+                              <p:cond delay="0"/>
+                            </p:stCondLst>
+                            <p:childTnLst>
+                              <p:par>
+                                <p:cTn id="5" presetID="1" presetClass="mediacall" presetSubtype="0" fill="hold" nodeType="afterEffect">
+                                  <p:stCondLst>
+                                    <p:cond delay="0"/>
+                                  </p:stCondLst>
+                                  <p:childTnLst>
+                                    <p:cmd type="call" cmd="playFrom(0.0)">
+                                      <p:cBhvr>
+                                        <p:cTn id="6" dur="1" fill="hold"/>
+                                        <p:tgtEl>
+                                          <p:spTgt spid="29"/>
+                                        </p:tgtEl>
+                                      </p:cBhvr>
+                                    </p:cmd>
+                                  </p:childTnLst>
+                                </p:cTn>
+                              </p:par>
+                            </p:childTnLst>
+                          </p:cTn>
+                        </p:par>
+                      </p:childTnLst>
+                    </p:cTn>
+                  </p:par>
+                </p:childTnLst>
+              </p:cTn>
+              <p:prevCondLst>
+                <p:cond evt="onPrev" delay="0">
+                  <p:tgtEl>
+                    <p:sldTgt/>
+                  </p:tgtEl>
+                </p:cond>
+              </p:prevCondLst>
+              <p:nextCondLst>
+                <p:cond evt="onNext" delay="0">
+                  <p:tgtEl>
+                    <p:sldTgt/>
+                  </p:tgtEl>
+                </p:cond>
+              </p:nextCondLst>
+            </p:seq>
+            <p:audio isNarration="1">
+              <p:cMediaNode vol="80000" showWhenStopped="0">
+                <p:cTn id="7" fill="hold" display="0">
+                  <p:stCondLst>
+                    <p:cond delay="indefinite"/>
+                  </p:stCondLst>
+                  <p:endCondLst>
+                    <p:cond evt="onStopAudio" delay="0">
+                      <p:tgtEl>
+                        <p:sldTgt/>
+                      </p:tgtEl>
+                    </p:cond>
+                  </p:endCondLst>
+                </p:cTn>
+                <p:tgtEl>
+                  <p:spTgt spid="29"/>
+                </p:tgtEl>
+              </p:cMediaNode>
+            </p:audio>
+          </p:childTnLst>
+        </p:cTn>
+      </p:par>
+    </p:tnLst>
+  </p:timing>
 </p:sld>
 </file>
 
@@ -3963,6 +4102,45 @@
           </a:p>
         </p:txBody>
       </p:sp>
+      <p:pic>
+        <p:nvPicPr>
+          <p:cNvPr id="29" name="오디오 28">
+            <a:hlinkClick r:id="" action="ppaction://media"/>
+            <a:extLst>
+              <a:ext uri="{FF2B5EF4-FFF2-40B4-BE49-F238E27FC236}">
+                <a16:creationId xmlns:a16="http://schemas.microsoft.com/office/drawing/2014/main" id="{CBB7B968-D931-BED4-B7C9-4D85291DE4D3}"/>
+              </a:ext>
+            </a:extLst>
+          </p:cNvPr>
+          <p:cNvPicPr>
+            <a:picLocks noChangeAspect="1"/>
+          </p:cNvPicPr>
+          <p:nvPr>
+            <a:audioFile r:link="rId2"/>
+            <p:extLst>
+              <p:ext uri="{DAA4B4D4-6D71-4841-9C94-3DE7FCFB9230}">
+                <p14:media xmlns:p14="http://schemas.microsoft.com/office/powerpoint/2010/main" r:embed="rId1"/>
+              </p:ext>
+            </p:extLst>
+          </p:nvPr>
+        </p:nvPicPr>
+        <p:blipFill>
+          <a:blip r:embed="rId4"/>
+          <a:srcRect l="-118750" t="-118750" r="-118750" b="-118750"/>
+          <a:stretch>
+            <a:fillRect/>
+          </a:stretch>
+        </p:blipFill>
+        <p:spPr>
+          <a:xfrm>
+            <a:off x="10052304" y="4718304"/>
+            <a:ext cx="2057400" cy="2057400"/>
+          </a:xfrm>
+          <a:prstGeom prst="ellipse">
+            <a:avLst/>
+          </a:prstGeom>
+        </p:spPr>
+      </p:pic>
     </p:spTree>
     <p:extLst>
       <p:ext uri="{BB962C8B-B14F-4D97-AF65-F5344CB8AC3E}">
@@ -3973,6 +4151,101 @@
   <p:clrMapOvr>
     <a:masterClrMapping/>
   </p:clrMapOvr>
+  <mc:AlternateContent xmlns:mc="http://schemas.openxmlformats.org/markup-compatibility/2006">
+    <mc:Choice xmlns:p14="http://schemas.microsoft.com/office/powerpoint/2010/main" Requires="p14">
+      <p:transition spd="slow" p14:dur="2000" advTm="13989"/>
+    </mc:Choice>
+    <mc:Fallback>
+      <p:transition spd="slow" advTm="13989"/>
+    </mc:Fallback>
+  </mc:AlternateContent>
+  <p:timing>
+    <p:tnLst>
+      <p:par>
+        <p:cTn id="1" dur="indefinite" restart="never" nodeType="tmRoot">
+          <p:childTnLst>
+            <p:seq concurrent="1" nextAc="seek">
+              <p:cTn id="2" dur="indefinite" nodeType="mainSeq">
+                <p:childTnLst>
+                  <p:par>
+                    <p:cTn id="3" fill="hold">
+                      <p:stCondLst>
+                        <p:cond delay="indefinite"/>
+                        <p:cond evt="onBegin" delay="0">
+                          <p:tn val="2"/>
+                        </p:cond>
+                      </p:stCondLst>
+                      <p:childTnLst>
+                        <p:par>
+                          <p:cTn id="4" fill="hold">
+                            <p:stCondLst>
+                              <p:cond delay="0"/>
+                            </p:stCondLst>
+                            <p:childTnLst>
+                              <p:par>
+                                <p:cTn id="5" presetID="1" presetClass="mediacall" presetSubtype="0" fill="hold" nodeType="afterEffect">
+                                  <p:stCondLst>
+                                    <p:cond delay="0"/>
+                                  </p:stCondLst>
+                                  <p:childTnLst>
+                                    <p:cmd type="call" cmd="playFrom(0.0)">
+                                      <p:cBhvr>
+                                        <p:cTn id="6" dur="1" fill="hold"/>
+                                        <p:tgtEl>
+                                          <p:spTgt spid="29"/>
+                                        </p:tgtEl>
+                                      </p:cBhvr>
+                                    </p:cmd>
+                                  </p:childTnLst>
+                                </p:cTn>
+                              </p:par>
+                            </p:childTnLst>
+                          </p:cTn>
+                        </p:par>
+                      </p:childTnLst>
+                    </p:cTn>
+                  </p:par>
+                </p:childTnLst>
+              </p:cTn>
+              <p:prevCondLst>
+                <p:cond evt="onPrev" delay="0">
+                  <p:tgtEl>
+                    <p:sldTgt/>
+                  </p:tgtEl>
+                </p:cond>
+              </p:prevCondLst>
+              <p:nextCondLst>
+                <p:cond evt="onNext" delay="0">
+                  <p:tgtEl>
+                    <p:sldTgt/>
+                  </p:tgtEl>
+                </p:cond>
+              </p:nextCondLst>
+            </p:seq>
+            <p:audio isNarration="1">
+              <p:cMediaNode vol="80000" showWhenStopped="0">
+                <p:cTn id="7" fill="hold" display="0">
+                  <p:stCondLst>
+                    <p:cond delay="indefinite"/>
+                  </p:stCondLst>
+                  <p:endCondLst>
+                    <p:cond evt="onStopAudio" delay="0">
+                      <p:tgtEl>
+                        <p:sldTgt/>
+                      </p:tgtEl>
+                    </p:cond>
+                  </p:endCondLst>
+                </p:cTn>
+                <p:tgtEl>
+                  <p:spTgt spid="29"/>
+                </p:tgtEl>
+              </p:cMediaNode>
+            </p:audio>
+          </p:childTnLst>
+        </p:cTn>
+      </p:par>
+    </p:tnLst>
+  </p:timing>
 </p:sld>
 </file>
 
@@ -4025,6 +4298,47 @@
             <a:ext cx="12192000" cy="4875525"/>
           </a:xfrm>
           <a:prstGeom prst="rect">
+            <a:avLst/>
+          </a:prstGeom>
+        </p:spPr>
+      </p:pic>
+      <p:pic>
+        <p:nvPicPr>
+          <p:cNvPr id="7" name="그래픽 6">
+            <a:extLst>
+              <a:ext uri="{FF2B5EF4-FFF2-40B4-BE49-F238E27FC236}">
+                <a16:creationId xmlns:a16="http://schemas.microsoft.com/office/drawing/2014/main" id="{CE872923-F1DF-587E-32A3-19F7E18C0143}"/>
+              </a:ext>
+            </a:extLst>
+          </p:cNvPr>
+          <p:cNvPicPr>
+            <a:picLocks noChangeAspect="1"/>
+            <a:extLst>
+              <a:ext uri="{51228E76-BA90-4043-B771-695A4F85340A}">
+                <alf:liveFeedProps xmlns:alf="http://schemas.microsoft.com/office/drawing/2021/livefeed"/>
+              </a:ext>
+            </a:extLst>
+          </p:cNvPicPr>
+          <p:nvPr/>
+        </p:nvPicPr>
+        <p:blipFill>
+          <a:blip r:embed="rId3">
+            <a:extLst>
+              <a:ext uri="{96DAC541-7B7A-43D3-8B79-37D633B846F1}">
+                <asvg:svgBlip xmlns:asvg="http://schemas.microsoft.com/office/drawing/2016/SVG/main" r:embed="rId4"/>
+              </a:ext>
+            </a:extLst>
+          </a:blip>
+          <a:stretch>
+            <a:fillRect/>
+          </a:stretch>
+        </p:blipFill>
+        <p:spPr>
+          <a:xfrm>
+            <a:off x="10052304" y="4718304"/>
+            <a:ext cx="2057400" cy="2057400"/>
+          </a:xfrm>
+          <a:prstGeom prst="ellipse">
             <a:avLst/>
           </a:prstGeom>
         </p:spPr>
@@ -4358,6 +4672,21 @@
 </file>
 
 <file path=customXml/item1.xml><?xml version="1.0" encoding="utf-8"?>
+<p:properties xmlns:p="http://schemas.microsoft.com/office/2006/metadata/properties" xmlns:xsi="http://www.w3.org/2001/XMLSchema-instance" xmlns:pc="http://schemas.microsoft.com/office/infopath/2007/PartnerControls">
+  <documentManagement/>
+</p:properties>
+</file>
+
+<file path=customXml/item2.xml><?xml version="1.0" encoding="utf-8"?>
+<?mso-contentType ?>
+<FormTemplates xmlns="http://schemas.microsoft.com/sharepoint/v3/contenttype/forms">
+  <Display>DocumentLibraryForm</Display>
+  <Edit>DocumentLibraryForm</Edit>
+  <New>DocumentLibraryForm</New>
+</FormTemplates>
+</file>
+
+<file path=customXml/item3.xml><?xml version="1.0" encoding="utf-8"?>
 <ct:contentTypeSchema xmlns:ct="http://schemas.microsoft.com/office/2006/metadata/contentType" xmlns:ma="http://schemas.microsoft.com/office/2006/metadata/properties/metaAttributes" ct:_="" ma:_="" ma:contentTypeName="문서" ma:contentTypeID="0x010100EB75E6E6552B1D43A095A107D929E0EB" ma:contentTypeVersion="5" ma:contentTypeDescription="새 문서를 만듭니다." ma:contentTypeScope="" ma:versionID="605dc96126818368f00da0c1694221b3">
   <xsd:schema xmlns:xsd="http://www.w3.org/2001/XMLSchema" xmlns:xs="http://www.w3.org/2001/XMLSchema" xmlns:p="http://schemas.microsoft.com/office/2006/metadata/properties" xmlns:ns3="794b34fb-07f1-467a-8c27-408b5a843343" targetNamespace="http://schemas.microsoft.com/office/2006/metadata/properties" ma:root="true" ma:fieldsID="7cab026e65a00633db7c8b6054d506e5" ns3:_="">
     <xsd:import namespace="794b34fb-07f1-467a-8c27-408b5a843343"/>
@@ -4507,22 +4836,31 @@
 </ct:contentTypeSchema>
 </file>
 
-<file path=customXml/item2.xml><?xml version="1.0" encoding="utf-8"?>
-<?mso-contentType ?>
-<FormTemplates xmlns="http://schemas.microsoft.com/sharepoint/v3/contenttype/forms">
-  <Display>DocumentLibraryForm</Display>
-  <Edit>DocumentLibraryForm</Edit>
-  <New>DocumentLibraryForm</New>
-</FormTemplates>
+<file path=customXml/itemProps1.xml><?xml version="1.0" encoding="utf-8"?>
+<ds:datastoreItem xmlns:ds="http://schemas.openxmlformats.org/officeDocument/2006/customXml" ds:itemID="{2656BA0C-5B35-4BA6-95F8-AE2BD1486775}">
+  <ds:schemaRefs>
+    <ds:schemaRef ds:uri="http://schemas.microsoft.com/office/2006/metadata/properties"/>
+    <ds:schemaRef ds:uri="http://purl.org/dc/dcmitype/"/>
+    <ds:schemaRef ds:uri="http://schemas.microsoft.com/office/infopath/2007/PartnerControls"/>
+    <ds:schemaRef ds:uri="http://schemas.openxmlformats.org/package/2006/metadata/core-properties"/>
+    <ds:schemaRef ds:uri="794b34fb-07f1-467a-8c27-408b5a843343"/>
+    <ds:schemaRef ds:uri="http://purl.org/dc/elements/1.1/"/>
+    <ds:schemaRef ds:uri="http://schemas.microsoft.com/office/2006/documentManagement/types"/>
+    <ds:schemaRef ds:uri="http://purl.org/dc/terms/"/>
+    <ds:schemaRef ds:uri="http://www.w3.org/XML/1998/namespace"/>
+  </ds:schemaRefs>
+</ds:datastoreItem>
 </file>
 
-<file path=customXml/item3.xml><?xml version="1.0" encoding="utf-8"?>
-<p:properties xmlns:p="http://schemas.microsoft.com/office/2006/metadata/properties" xmlns:xsi="http://www.w3.org/2001/XMLSchema-instance" xmlns:pc="http://schemas.microsoft.com/office/infopath/2007/PartnerControls">
-  <documentManagement/>
-</p:properties>
+<file path=customXml/itemProps2.xml><?xml version="1.0" encoding="utf-8"?>
+<ds:datastoreItem xmlns:ds="http://schemas.openxmlformats.org/officeDocument/2006/customXml" ds:itemID="{C353E55F-B5C6-4A80-83A9-D9A8D39350B1}">
+  <ds:schemaRefs>
+    <ds:schemaRef ds:uri="http://schemas.microsoft.com/sharepoint/v3/contenttype/forms"/>
+  </ds:schemaRefs>
+</ds:datastoreItem>
 </file>
 
-<file path=customXml/itemProps1.xml><?xml version="1.0" encoding="utf-8"?>
+<file path=customXml/itemProps3.xml><?xml version="1.0" encoding="utf-8"?>
 <ds:datastoreItem xmlns:ds="http://schemas.openxmlformats.org/officeDocument/2006/customXml" ds:itemID="{1EE02F27-3373-4880-B661-01306EDA73EA}">
   <ds:schemaRefs>
     <ds:schemaRef ds:uri="http://schemas.microsoft.com/office/2006/metadata/contentType"/>
@@ -4538,28 +4876,4 @@
     <ds:schemaRef ds:uri="http://schemas.microsoft.com/internal/obd"/>
   </ds:schemaRefs>
 </ds:datastoreItem>
-</file>
-
-<file path=customXml/itemProps2.xml><?xml version="1.0" encoding="utf-8"?>
-<ds:datastoreItem xmlns:ds="http://schemas.openxmlformats.org/officeDocument/2006/customXml" ds:itemID="{C353E55F-B5C6-4A80-83A9-D9A8D39350B1}">
-  <ds:schemaRefs>
-    <ds:schemaRef ds:uri="http://schemas.microsoft.com/sharepoint/v3/contenttype/forms"/>
-  </ds:schemaRefs>
-</ds:datastoreItem>
-</file>
-
-<file path=customXml/itemProps3.xml><?xml version="1.0" encoding="utf-8"?>
-<ds:datastoreItem xmlns:ds="http://schemas.openxmlformats.org/officeDocument/2006/customXml" ds:itemID="{2656BA0C-5B35-4BA6-95F8-AE2BD1486775}">
-  <ds:schemaRefs>
-    <ds:schemaRef ds:uri="http://schemas.microsoft.com/office/2006/metadata/properties"/>
-    <ds:schemaRef ds:uri="http://purl.org/dc/dcmitype/"/>
-    <ds:schemaRef ds:uri="http://schemas.microsoft.com/office/infopath/2007/PartnerControls"/>
-    <ds:schemaRef ds:uri="http://schemas.openxmlformats.org/package/2006/metadata/core-properties"/>
-    <ds:schemaRef ds:uri="794b34fb-07f1-467a-8c27-408b5a843343"/>
-    <ds:schemaRef ds:uri="http://purl.org/dc/elements/1.1/"/>
-    <ds:schemaRef ds:uri="http://schemas.microsoft.com/office/2006/documentManagement/types"/>
-    <ds:schemaRef ds:uri="http://purl.org/dc/terms/"/>
-    <ds:schemaRef ds:uri="http://www.w3.org/XML/1998/namespace"/>
-  </ds:schemaRefs>
-</ds:datastoreItem>
 </file>
--- a/2021180044 황광진 2DGP 프로젝트 2차 PPT.pptx
+++ b/2021180044 황광진 2DGP 프로젝트 2차 PPT.pptx
@@ -3619,45 +3619,6 @@
           </a:p>
         </p:txBody>
       </p:sp>
-      <p:pic>
-        <p:nvPicPr>
-          <p:cNvPr id="29" name="오디오 28">
-            <a:hlinkClick r:id="" action="ppaction://media"/>
-            <a:extLst>
-              <a:ext uri="{FF2B5EF4-FFF2-40B4-BE49-F238E27FC236}">
-                <a16:creationId xmlns:a16="http://schemas.microsoft.com/office/drawing/2014/main" id="{C5D8DAE0-2E05-409B-AF13-0A5FD0982F95}"/>
-              </a:ext>
-            </a:extLst>
-          </p:cNvPr>
-          <p:cNvPicPr>
-            <a:picLocks noChangeAspect="1"/>
-          </p:cNvPicPr>
-          <p:nvPr>
-            <a:audioFile r:link="rId2"/>
-            <p:extLst>
-              <p:ext uri="{DAA4B4D4-6D71-4841-9C94-3DE7FCFB9230}">
-                <p14:media xmlns:p14="http://schemas.microsoft.com/office/powerpoint/2010/main" r:embed="rId1"/>
-              </p:ext>
-            </p:extLst>
-          </p:nvPr>
-        </p:nvPicPr>
-        <p:blipFill>
-          <a:blip r:embed="rId4"/>
-          <a:srcRect l="-118750" t="-118750" r="-118750" b="-118750"/>
-          <a:stretch>
-            <a:fillRect/>
-          </a:stretch>
-        </p:blipFill>
-        <p:spPr>
-          <a:xfrm>
-            <a:off x="10052304" y="4718304"/>
-            <a:ext cx="2057400" cy="2057400"/>
-          </a:xfrm>
-          <a:prstGeom prst="ellipse">
-            <a:avLst/>
-          </a:prstGeom>
-        </p:spPr>
-      </p:pic>
     </p:spTree>
     <p:extLst>
       <p:ext uri="{BB962C8B-B14F-4D97-AF65-F5344CB8AC3E}">
@@ -3668,101 +3629,14 @@
   <p:clrMapOvr>
     <a:masterClrMapping/>
   </p:clrMapOvr>
-  <mc:AlternateContent xmlns:mc="http://schemas.openxmlformats.org/markup-compatibility/2006">
-    <mc:Choice xmlns:p14="http://schemas.microsoft.com/office/powerpoint/2010/main" Requires="p14">
+  <mc:AlternateContent xmlns:mc="http://schemas.openxmlformats.org/markup-compatibility/2006" xmlns:p14="http://schemas.microsoft.com/office/powerpoint/2010/main">
+    <mc:Choice Requires="p14">
       <p:transition spd="slow" p14:dur="2000" advTm="22396"/>
     </mc:Choice>
-    <mc:Fallback>
+    <mc:Fallback xmlns="">
       <p:transition spd="slow" advTm="22396"/>
     </mc:Fallback>
   </mc:AlternateContent>
-  <p:timing>
-    <p:tnLst>
-      <p:par>
-        <p:cTn id="1" dur="indefinite" restart="never" nodeType="tmRoot">
-          <p:childTnLst>
-            <p:seq concurrent="1" nextAc="seek">
-              <p:cTn id="2" dur="indefinite" nodeType="mainSeq">
-                <p:childTnLst>
-                  <p:par>
-                    <p:cTn id="3" fill="hold">
-                      <p:stCondLst>
-                        <p:cond delay="indefinite"/>
-                        <p:cond evt="onBegin" delay="0">
-                          <p:tn val="2"/>
-                        </p:cond>
-                      </p:stCondLst>
-                      <p:childTnLst>
-                        <p:par>
-                          <p:cTn id="4" fill="hold">
-                            <p:stCondLst>
-                              <p:cond delay="0"/>
-                            </p:stCondLst>
-                            <p:childTnLst>
-                              <p:par>
-                                <p:cTn id="5" presetID="1" presetClass="mediacall" presetSubtype="0" fill="hold" nodeType="afterEffect">
-                                  <p:stCondLst>
-                                    <p:cond delay="0"/>
-                                  </p:stCondLst>
-                                  <p:childTnLst>
-                                    <p:cmd type="call" cmd="playFrom(0.0)">
-                                      <p:cBhvr>
-                                        <p:cTn id="6" dur="1" fill="hold"/>
-                                        <p:tgtEl>
-                                          <p:spTgt spid="29"/>
-                                        </p:tgtEl>
-                                      </p:cBhvr>
-                                    </p:cmd>
-                                  </p:childTnLst>
-                                </p:cTn>
-                              </p:par>
-                            </p:childTnLst>
-                          </p:cTn>
-                        </p:par>
-                      </p:childTnLst>
-                    </p:cTn>
-                  </p:par>
-                </p:childTnLst>
-              </p:cTn>
-              <p:prevCondLst>
-                <p:cond evt="onPrev" delay="0">
-                  <p:tgtEl>
-                    <p:sldTgt/>
-                  </p:tgtEl>
-                </p:cond>
-              </p:prevCondLst>
-              <p:nextCondLst>
-                <p:cond evt="onNext" delay="0">
-                  <p:tgtEl>
-                    <p:sldTgt/>
-                  </p:tgtEl>
-                </p:cond>
-              </p:nextCondLst>
-            </p:seq>
-            <p:audio isNarration="1">
-              <p:cMediaNode vol="80000" showWhenStopped="0">
-                <p:cTn id="7" fill="hold" display="0">
-                  <p:stCondLst>
-                    <p:cond delay="indefinite"/>
-                  </p:stCondLst>
-                  <p:endCondLst>
-                    <p:cond evt="onStopAudio" delay="0">
-                      <p:tgtEl>
-                        <p:sldTgt/>
-                      </p:tgtEl>
-                    </p:cond>
-                  </p:endCondLst>
-                </p:cTn>
-                <p:tgtEl>
-                  <p:spTgt spid="29"/>
-                </p:tgtEl>
-              </p:cMediaNode>
-            </p:audio>
-          </p:childTnLst>
-        </p:cTn>
-      </p:par>
-    </p:tnLst>
-  </p:timing>
 </p:sld>
 </file>
 
@@ -4102,45 +3976,6 @@
           </a:p>
         </p:txBody>
       </p:sp>
-      <p:pic>
-        <p:nvPicPr>
-          <p:cNvPr id="29" name="오디오 28">
-            <a:hlinkClick r:id="" action="ppaction://media"/>
-            <a:extLst>
-              <a:ext uri="{FF2B5EF4-FFF2-40B4-BE49-F238E27FC236}">
-                <a16:creationId xmlns:a16="http://schemas.microsoft.com/office/drawing/2014/main" id="{CBB7B968-D931-BED4-B7C9-4D85291DE4D3}"/>
-              </a:ext>
-            </a:extLst>
-          </p:cNvPr>
-          <p:cNvPicPr>
-            <a:picLocks noChangeAspect="1"/>
-          </p:cNvPicPr>
-          <p:nvPr>
-            <a:audioFile r:link="rId2"/>
-            <p:extLst>
-              <p:ext uri="{DAA4B4D4-6D71-4841-9C94-3DE7FCFB9230}">
-                <p14:media xmlns:p14="http://schemas.microsoft.com/office/powerpoint/2010/main" r:embed="rId1"/>
-              </p:ext>
-            </p:extLst>
-          </p:nvPr>
-        </p:nvPicPr>
-        <p:blipFill>
-          <a:blip r:embed="rId4"/>
-          <a:srcRect l="-118750" t="-118750" r="-118750" b="-118750"/>
-          <a:stretch>
-            <a:fillRect/>
-          </a:stretch>
-        </p:blipFill>
-        <p:spPr>
-          <a:xfrm>
-            <a:off x="10052304" y="4718304"/>
-            <a:ext cx="2057400" cy="2057400"/>
-          </a:xfrm>
-          <a:prstGeom prst="ellipse">
-            <a:avLst/>
-          </a:prstGeom>
-        </p:spPr>
-      </p:pic>
     </p:spTree>
     <p:extLst>
       <p:ext uri="{BB962C8B-B14F-4D97-AF65-F5344CB8AC3E}">
@@ -4151,101 +3986,14 @@
   <p:clrMapOvr>
     <a:masterClrMapping/>
   </p:clrMapOvr>
-  <mc:AlternateContent xmlns:mc="http://schemas.openxmlformats.org/markup-compatibility/2006">
-    <mc:Choice xmlns:p14="http://schemas.microsoft.com/office/powerpoint/2010/main" Requires="p14">
+  <mc:AlternateContent xmlns:mc="http://schemas.openxmlformats.org/markup-compatibility/2006" xmlns:p14="http://schemas.microsoft.com/office/powerpoint/2010/main">
+    <mc:Choice Requires="p14">
       <p:transition spd="slow" p14:dur="2000" advTm="13989"/>
     </mc:Choice>
-    <mc:Fallback>
+    <mc:Fallback xmlns="">
       <p:transition spd="slow" advTm="13989"/>
     </mc:Fallback>
   </mc:AlternateContent>
-  <p:timing>
-    <p:tnLst>
-      <p:par>
-        <p:cTn id="1" dur="indefinite" restart="never" nodeType="tmRoot">
-          <p:childTnLst>
-            <p:seq concurrent="1" nextAc="seek">
-              <p:cTn id="2" dur="indefinite" nodeType="mainSeq">
-                <p:childTnLst>
-                  <p:par>
-                    <p:cTn id="3" fill="hold">
-                      <p:stCondLst>
-                        <p:cond delay="indefinite"/>
-                        <p:cond evt="onBegin" delay="0">
-                          <p:tn val="2"/>
-                        </p:cond>
-                      </p:stCondLst>
-                      <p:childTnLst>
-                        <p:par>
-                          <p:cTn id="4" fill="hold">
-                            <p:stCondLst>
-                              <p:cond delay="0"/>
-                            </p:stCondLst>
-                            <p:childTnLst>
-                              <p:par>
-                                <p:cTn id="5" presetID="1" presetClass="mediacall" presetSubtype="0" fill="hold" nodeType="afterEffect">
-                                  <p:stCondLst>
-                                    <p:cond delay="0"/>
-                                  </p:stCondLst>
-                                  <p:childTnLst>
-                                    <p:cmd type="call" cmd="playFrom(0.0)">
-                                      <p:cBhvr>
-                                        <p:cTn id="6" dur="1" fill="hold"/>
-                                        <p:tgtEl>
-                                          <p:spTgt spid="29"/>
-                                        </p:tgtEl>
-                                      </p:cBhvr>
-                                    </p:cmd>
-                                  </p:childTnLst>
-                                </p:cTn>
-                              </p:par>
-                            </p:childTnLst>
-                          </p:cTn>
-                        </p:par>
-                      </p:childTnLst>
-                    </p:cTn>
-                  </p:par>
-                </p:childTnLst>
-              </p:cTn>
-              <p:prevCondLst>
-                <p:cond evt="onPrev" delay="0">
-                  <p:tgtEl>
-                    <p:sldTgt/>
-                  </p:tgtEl>
-                </p:cond>
-              </p:prevCondLst>
-              <p:nextCondLst>
-                <p:cond evt="onNext" delay="0">
-                  <p:tgtEl>
-                    <p:sldTgt/>
-                  </p:tgtEl>
-                </p:cond>
-              </p:nextCondLst>
-            </p:seq>
-            <p:audio isNarration="1">
-              <p:cMediaNode vol="80000" showWhenStopped="0">
-                <p:cTn id="7" fill="hold" display="0">
-                  <p:stCondLst>
-                    <p:cond delay="indefinite"/>
-                  </p:stCondLst>
-                  <p:endCondLst>
-                    <p:cond evt="onStopAudio" delay="0">
-                      <p:tgtEl>
-                        <p:sldTgt/>
-                      </p:tgtEl>
-                    </p:cond>
-                  </p:endCondLst>
-                </p:cTn>
-                <p:tgtEl>
-                  <p:spTgt spid="29"/>
-                </p:tgtEl>
-              </p:cMediaNode>
-            </p:audio>
-          </p:childTnLst>
-        </p:cTn>
-      </p:par>
-    </p:tnLst>
-  </p:timing>
 </p:sld>
 </file>
 
@@ -4298,47 +4046,6 @@
             <a:ext cx="12192000" cy="4875525"/>
           </a:xfrm>
           <a:prstGeom prst="rect">
-            <a:avLst/>
-          </a:prstGeom>
-        </p:spPr>
-      </p:pic>
-      <p:pic>
-        <p:nvPicPr>
-          <p:cNvPr id="7" name="그래픽 6">
-            <a:extLst>
-              <a:ext uri="{FF2B5EF4-FFF2-40B4-BE49-F238E27FC236}">
-                <a16:creationId xmlns:a16="http://schemas.microsoft.com/office/drawing/2014/main" id="{CE872923-F1DF-587E-32A3-19F7E18C0143}"/>
-              </a:ext>
-            </a:extLst>
-          </p:cNvPr>
-          <p:cNvPicPr>
-            <a:picLocks noChangeAspect="1"/>
-            <a:extLst>
-              <a:ext uri="{51228E76-BA90-4043-B771-695A4F85340A}">
-                <alf:liveFeedProps xmlns:alf="http://schemas.microsoft.com/office/drawing/2021/livefeed"/>
-              </a:ext>
-            </a:extLst>
-          </p:cNvPicPr>
-          <p:nvPr/>
-        </p:nvPicPr>
-        <p:blipFill>
-          <a:blip r:embed="rId3">
-            <a:extLst>
-              <a:ext uri="{96DAC541-7B7A-43D3-8B79-37D633B846F1}">
-                <asvg:svgBlip xmlns:asvg="http://schemas.microsoft.com/office/drawing/2016/SVG/main" r:embed="rId4"/>
-              </a:ext>
-            </a:extLst>
-          </a:blip>
-          <a:stretch>
-            <a:fillRect/>
-          </a:stretch>
-        </p:blipFill>
-        <p:spPr>
-          <a:xfrm>
-            <a:off x="10052304" y="4718304"/>
-            <a:ext cx="2057400" cy="2057400"/>
-          </a:xfrm>
-          <a:prstGeom prst="ellipse">
             <a:avLst/>
           </a:prstGeom>
         </p:spPr>
@@ -4672,21 +4379,6 @@
 </file>
 
 <file path=customXml/item1.xml><?xml version="1.0" encoding="utf-8"?>
-<p:properties xmlns:p="http://schemas.microsoft.com/office/2006/metadata/properties" xmlns:xsi="http://www.w3.org/2001/XMLSchema-instance" xmlns:pc="http://schemas.microsoft.com/office/infopath/2007/PartnerControls">
-  <documentManagement/>
-</p:properties>
-</file>
-
-<file path=customXml/item2.xml><?xml version="1.0" encoding="utf-8"?>
-<?mso-contentType ?>
-<FormTemplates xmlns="http://schemas.microsoft.com/sharepoint/v3/contenttype/forms">
-  <Display>DocumentLibraryForm</Display>
-  <Edit>DocumentLibraryForm</Edit>
-  <New>DocumentLibraryForm</New>
-</FormTemplates>
-</file>
-
-<file path=customXml/item3.xml><?xml version="1.0" encoding="utf-8"?>
 <ct:contentTypeSchema xmlns:ct="http://schemas.microsoft.com/office/2006/metadata/contentType" xmlns:ma="http://schemas.microsoft.com/office/2006/metadata/properties/metaAttributes" ct:_="" ma:_="" ma:contentTypeName="문서" ma:contentTypeID="0x010100EB75E6E6552B1D43A095A107D929E0EB" ma:contentTypeVersion="5" ma:contentTypeDescription="새 문서를 만듭니다." ma:contentTypeScope="" ma:versionID="605dc96126818368f00da0c1694221b3">
   <xsd:schema xmlns:xsd="http://www.w3.org/2001/XMLSchema" xmlns:xs="http://www.w3.org/2001/XMLSchema" xmlns:p="http://schemas.microsoft.com/office/2006/metadata/properties" xmlns:ns3="794b34fb-07f1-467a-8c27-408b5a843343" targetNamespace="http://schemas.microsoft.com/office/2006/metadata/properties" ma:root="true" ma:fieldsID="7cab026e65a00633db7c8b6054d506e5" ns3:_="">
     <xsd:import namespace="794b34fb-07f1-467a-8c27-408b5a843343"/>
@@ -4836,31 +4528,22 @@
 </ct:contentTypeSchema>
 </file>
 
-<file path=customXml/itemProps1.xml><?xml version="1.0" encoding="utf-8"?>
-<ds:datastoreItem xmlns:ds="http://schemas.openxmlformats.org/officeDocument/2006/customXml" ds:itemID="{2656BA0C-5B35-4BA6-95F8-AE2BD1486775}">
-  <ds:schemaRefs>
-    <ds:schemaRef ds:uri="http://schemas.microsoft.com/office/2006/metadata/properties"/>
-    <ds:schemaRef ds:uri="http://purl.org/dc/dcmitype/"/>
-    <ds:schemaRef ds:uri="http://schemas.microsoft.com/office/infopath/2007/PartnerControls"/>
-    <ds:schemaRef ds:uri="http://schemas.openxmlformats.org/package/2006/metadata/core-properties"/>
-    <ds:schemaRef ds:uri="794b34fb-07f1-467a-8c27-408b5a843343"/>
-    <ds:schemaRef ds:uri="http://purl.org/dc/elements/1.1/"/>
-    <ds:schemaRef ds:uri="http://schemas.microsoft.com/office/2006/documentManagement/types"/>
-    <ds:schemaRef ds:uri="http://purl.org/dc/terms/"/>
-    <ds:schemaRef ds:uri="http://www.w3.org/XML/1998/namespace"/>
-  </ds:schemaRefs>
-</ds:datastoreItem>
+<file path=customXml/item2.xml><?xml version="1.0" encoding="utf-8"?>
+<?mso-contentType ?>
+<FormTemplates xmlns="http://schemas.microsoft.com/sharepoint/v3/contenttype/forms">
+  <Display>DocumentLibraryForm</Display>
+  <Edit>DocumentLibraryForm</Edit>
+  <New>DocumentLibraryForm</New>
+</FormTemplates>
 </file>
 
-<file path=customXml/itemProps2.xml><?xml version="1.0" encoding="utf-8"?>
-<ds:datastoreItem xmlns:ds="http://schemas.openxmlformats.org/officeDocument/2006/customXml" ds:itemID="{C353E55F-B5C6-4A80-83A9-D9A8D39350B1}">
-  <ds:schemaRefs>
-    <ds:schemaRef ds:uri="http://schemas.microsoft.com/sharepoint/v3/contenttype/forms"/>
-  </ds:schemaRefs>
-</ds:datastoreItem>
+<file path=customXml/item3.xml><?xml version="1.0" encoding="utf-8"?>
+<p:properties xmlns:p="http://schemas.microsoft.com/office/2006/metadata/properties" xmlns:xsi="http://www.w3.org/2001/XMLSchema-instance" xmlns:pc="http://schemas.microsoft.com/office/infopath/2007/PartnerControls">
+  <documentManagement/>
+</p:properties>
 </file>
 
-<file path=customXml/itemProps3.xml><?xml version="1.0" encoding="utf-8"?>
+<file path=customXml/itemProps1.xml><?xml version="1.0" encoding="utf-8"?>
 <ds:datastoreItem xmlns:ds="http://schemas.openxmlformats.org/officeDocument/2006/customXml" ds:itemID="{1EE02F27-3373-4880-B661-01306EDA73EA}">
   <ds:schemaRefs>
     <ds:schemaRef ds:uri="http://schemas.microsoft.com/office/2006/metadata/contentType"/>
@@ -4876,4 +4559,28 @@
     <ds:schemaRef ds:uri="http://schemas.microsoft.com/internal/obd"/>
   </ds:schemaRefs>
 </ds:datastoreItem>
+</file>
+
+<file path=customXml/itemProps2.xml><?xml version="1.0" encoding="utf-8"?>
+<ds:datastoreItem xmlns:ds="http://schemas.openxmlformats.org/officeDocument/2006/customXml" ds:itemID="{C353E55F-B5C6-4A80-83A9-D9A8D39350B1}">
+  <ds:schemaRefs>
+    <ds:schemaRef ds:uri="http://schemas.microsoft.com/sharepoint/v3/contenttype/forms"/>
+  </ds:schemaRefs>
+</ds:datastoreItem>
+</file>
+
+<file path=customXml/itemProps3.xml><?xml version="1.0" encoding="utf-8"?>
+<ds:datastoreItem xmlns:ds="http://schemas.openxmlformats.org/officeDocument/2006/customXml" ds:itemID="{2656BA0C-5B35-4BA6-95F8-AE2BD1486775}">
+  <ds:schemaRefs>
+    <ds:schemaRef ds:uri="http://schemas.microsoft.com/office/2006/metadata/properties"/>
+    <ds:schemaRef ds:uri="http://purl.org/dc/dcmitype/"/>
+    <ds:schemaRef ds:uri="http://schemas.microsoft.com/office/infopath/2007/PartnerControls"/>
+    <ds:schemaRef ds:uri="http://schemas.openxmlformats.org/package/2006/metadata/core-properties"/>
+    <ds:schemaRef ds:uri="794b34fb-07f1-467a-8c27-408b5a843343"/>
+    <ds:schemaRef ds:uri="http://purl.org/dc/elements/1.1/"/>
+    <ds:schemaRef ds:uri="http://schemas.microsoft.com/office/2006/documentManagement/types"/>
+    <ds:schemaRef ds:uri="http://purl.org/dc/terms/"/>
+    <ds:schemaRef ds:uri="http://www.w3.org/XML/1998/namespace"/>
+  </ds:schemaRefs>
+</ds:datastoreItem>
 </file>